--- a/Hackathon.pptx
+++ b/Hackathon.pptx
@@ -11,6 +11,9 @@
   </p:sldIdLst>
   <p:sldSz cx="9144000" cy="6858000" type="screen4x3"/>
   <p:notesSz cx="6858000" cy="9144000"/>
+  <p:custDataLst>
+    <p:tags r:id="rId5"/>
+  </p:custDataLst>
   <p:defaultTextStyle>
     <a:defPPr>
       <a:defRPr lang="zh-TW"/>
@@ -290,7 +293,7 @@
           <a:p>
             <a:fld id="{90397FDC-DFE5-5C49-AB42-59C30E723BAA}" type="datetimeFigureOut">
               <a:rPr kumimoji="1" lang="zh-TW" altLang="en-US" smtClean="0"/>
-              <a:t>16/4/29</a:t>
+              <a:t>2016/4/29</a:t>
             </a:fld>
             <a:endParaRPr kumimoji="1" lang="zh-TW" altLang="en-US"/>
           </a:p>
@@ -460,7 +463,7 @@
           <a:p>
             <a:fld id="{90397FDC-DFE5-5C49-AB42-59C30E723BAA}" type="datetimeFigureOut">
               <a:rPr kumimoji="1" lang="zh-TW" altLang="en-US" smtClean="0"/>
-              <a:t>16/4/29</a:t>
+              <a:t>2016/4/29</a:t>
             </a:fld>
             <a:endParaRPr kumimoji="1" lang="zh-TW" altLang="en-US"/>
           </a:p>
@@ -640,7 +643,7 @@
           <a:p>
             <a:fld id="{90397FDC-DFE5-5C49-AB42-59C30E723BAA}" type="datetimeFigureOut">
               <a:rPr kumimoji="1" lang="zh-TW" altLang="en-US" smtClean="0"/>
-              <a:t>16/4/29</a:t>
+              <a:t>2016/4/29</a:t>
             </a:fld>
             <a:endParaRPr kumimoji="1" lang="zh-TW" altLang="en-US"/>
           </a:p>
@@ -810,7 +813,7 @@
           <a:p>
             <a:fld id="{90397FDC-DFE5-5C49-AB42-59C30E723BAA}" type="datetimeFigureOut">
               <a:rPr kumimoji="1" lang="zh-TW" altLang="en-US" smtClean="0"/>
-              <a:t>16/4/29</a:t>
+              <a:t>2016/4/29</a:t>
             </a:fld>
             <a:endParaRPr kumimoji="1" lang="zh-TW" altLang="en-US"/>
           </a:p>
@@ -1056,7 +1059,7 @@
           <a:p>
             <a:fld id="{90397FDC-DFE5-5C49-AB42-59C30E723BAA}" type="datetimeFigureOut">
               <a:rPr kumimoji="1" lang="zh-TW" altLang="en-US" smtClean="0"/>
-              <a:t>16/4/29</a:t>
+              <a:t>2016/4/29</a:t>
             </a:fld>
             <a:endParaRPr kumimoji="1" lang="zh-TW" altLang="en-US"/>
           </a:p>
@@ -1344,7 +1347,7 @@
           <a:p>
             <a:fld id="{90397FDC-DFE5-5C49-AB42-59C30E723BAA}" type="datetimeFigureOut">
               <a:rPr kumimoji="1" lang="zh-TW" altLang="en-US" smtClean="0"/>
-              <a:t>16/4/29</a:t>
+              <a:t>2016/4/29</a:t>
             </a:fld>
             <a:endParaRPr kumimoji="1" lang="zh-TW" altLang="en-US"/>
           </a:p>
@@ -1766,7 +1769,7 @@
           <a:p>
             <a:fld id="{90397FDC-DFE5-5C49-AB42-59C30E723BAA}" type="datetimeFigureOut">
               <a:rPr kumimoji="1" lang="zh-TW" altLang="en-US" smtClean="0"/>
-              <a:t>16/4/29</a:t>
+              <a:t>2016/4/29</a:t>
             </a:fld>
             <a:endParaRPr kumimoji="1" lang="zh-TW" altLang="en-US"/>
           </a:p>
@@ -1884,7 +1887,7 @@
           <a:p>
             <a:fld id="{90397FDC-DFE5-5C49-AB42-59C30E723BAA}" type="datetimeFigureOut">
               <a:rPr kumimoji="1" lang="zh-TW" altLang="en-US" smtClean="0"/>
-              <a:t>16/4/29</a:t>
+              <a:t>2016/4/29</a:t>
             </a:fld>
             <a:endParaRPr kumimoji="1" lang="zh-TW" altLang="en-US"/>
           </a:p>
@@ -1979,7 +1982,7 @@
           <a:p>
             <a:fld id="{90397FDC-DFE5-5C49-AB42-59C30E723BAA}" type="datetimeFigureOut">
               <a:rPr kumimoji="1" lang="zh-TW" altLang="en-US" smtClean="0"/>
-              <a:t>16/4/29</a:t>
+              <a:t>2016/4/29</a:t>
             </a:fld>
             <a:endParaRPr kumimoji="1" lang="zh-TW" altLang="en-US"/>
           </a:p>
@@ -2256,7 +2259,7 @@
           <a:p>
             <a:fld id="{90397FDC-DFE5-5C49-AB42-59C30E723BAA}" type="datetimeFigureOut">
               <a:rPr kumimoji="1" lang="zh-TW" altLang="en-US" smtClean="0"/>
-              <a:t>16/4/29</a:t>
+              <a:t>2016/4/29</a:t>
             </a:fld>
             <a:endParaRPr kumimoji="1" lang="zh-TW" altLang="en-US"/>
           </a:p>
@@ -2509,7 +2512,7 @@
           <a:p>
             <a:fld id="{90397FDC-DFE5-5C49-AB42-59C30E723BAA}" type="datetimeFigureOut">
               <a:rPr kumimoji="1" lang="zh-TW" altLang="en-US" smtClean="0"/>
-              <a:t>16/4/29</a:t>
+              <a:t>2016/4/29</a:t>
             </a:fld>
             <a:endParaRPr kumimoji="1" lang="zh-TW" altLang="en-US"/>
           </a:p>
@@ -2722,7 +2725,7 @@
           <a:p>
             <a:fld id="{90397FDC-DFE5-5C49-AB42-59C30E723BAA}" type="datetimeFigureOut">
               <a:rPr kumimoji="1" lang="zh-TW" altLang="en-US" smtClean="0"/>
-              <a:t>16/4/29</a:t>
+              <a:t>2016/4/29</a:t>
             </a:fld>
             <a:endParaRPr kumimoji="1" lang="zh-TW" altLang="en-US"/>
           </a:p>
@@ -2834,7 +2837,7 @@
           <a:spcPct val="0"/>
         </a:spcBef>
         <a:buNone/>
-        <a:defRPr sz="4400" kern="1200">
+        <a:defRPr sz="4400" b="0" i="0" u="none" kern="1200">
           <a:solidFill>
             <a:schemeClr val="tx1"/>
           </a:solidFill>
@@ -2866,7 +2869,7 @@
         </a:spcBef>
         <a:buFont typeface="Arial"/>
         <a:buChar char="–"/>
-        <a:defRPr sz="2800" kern="1200">
+        <a:defRPr sz="2800" b="0" i="0" u="none" kern="1200">
           <a:solidFill>
             <a:schemeClr val="tx1"/>
           </a:solidFill>
@@ -3174,15 +3177,15 @@
             </a:r>
             <a:r>
               <a:rPr kumimoji="1" lang="en-US" altLang="zh-TW" dirty="0" err="1" smtClean="0"/>
-              <a:t>TommyShue</a:t>
+              <a:t>TommySheu</a:t>
             </a:r>
             <a:r>
               <a:rPr kumimoji="1" lang="en-US" altLang="zh-TW" dirty="0" smtClean="0"/>
               <a:t>, </a:t>
             </a:r>
             <a:r>
-              <a:rPr kumimoji="1" lang="en-US" altLang="zh-TW" dirty="0" err="1" smtClean="0"/>
-              <a:t>RalfYaph</a:t>
+              <a:rPr kumimoji="1" lang="en-US" altLang="zh-TW" smtClean="0"/>
+              <a:t>RalphYeh</a:t>
             </a:r>
             <a:endParaRPr kumimoji="1" lang="zh-TW" altLang="en-US" dirty="0"/>
           </a:p>
@@ -3443,6 +3446,14 @@
     <a:masterClrMapping/>
   </p:clrMapOvr>
 </p:sld>
+</file>
+
+<file path=ppt/tags/tag1.xml><?xml version="1.0" encoding="utf-8"?>
+<p:tagLst xmlns:a="http://schemas.openxmlformats.org/drawingml/2006/main" xmlns:r="http://schemas.openxmlformats.org/officeDocument/2006/relationships" xmlns:p="http://schemas.openxmlformats.org/presentationml/2006/main">
+  <p:tag name="MMPROD_UIDATA" val="&lt;database version=&quot;11.0&quot;&gt;&lt;object type=&quot;1&quot; unique_id=&quot;10001&quot;&gt;&lt;object type=&quot;2&quot; unique_id=&quot;11890&quot;&gt;&lt;object type=&quot;3&quot; unique_id=&quot;11891&quot;&gt;&lt;property id=&quot;20148&quot; value=&quot;5&quot;/&gt;&lt;property id=&quot;20300&quot; value=&quot;Slide 1 - &amp;quot;HackaThon 盆栽精靈--小薰&amp;quot;&quot;/&gt;&lt;property id=&quot;20307&quot; value=&quot;256&quot;/&gt;&lt;/object&gt;&lt;object type=&quot;3&quot; unique_id=&quot;11892&quot;&gt;&lt;property id=&quot;20148&quot; value=&quot;5&quot;/&gt;&lt;property id=&quot;20300&quot; value=&quot;Slide 2 - &amp;quot;智慧農業  盆栽監控系統&amp;quot;&quot;/&gt;&lt;property id=&quot;20307&quot; value=&quot;257&quot;/&gt;&lt;/object&gt;&lt;object type=&quot;3&quot; unique_id=&quot;11893&quot;&gt;&lt;property id=&quot;20148&quot; value=&quot;5&quot;/&gt;&lt;property id=&quot;20300&quot; value=&quot;Slide 3 - &amp;quot;情境&amp;quot;&quot;/&gt;&lt;property id=&quot;20307&quot; value=&quot;258&quot;/&gt;&lt;/object&gt;&lt;/object&gt;&lt;object type=&quot;8&quot; unique_id=&quot;11898&quot;&gt;&lt;/object&gt;&lt;/object&gt;&lt;/database&gt;"/>
+  <p:tag name="SECTOMILLISECCONVERTED" val="1"/>
+  <p:tag name="MMPROD_NEXTUNIQUEID" val="10012"/>
+</p:tagLst>
 </file>
 
 <file path=ppt/theme/theme1.xml><?xml version="1.0" encoding="utf-8"?>
